--- a/2.线性表.pptx
+++ b/2.线性表.pptx
@@ -256,7 +256,7 @@
           <a:p>
             <a:fld id="{66C3546E-20F6-7649-A9A4-4E4A245D3E82}" type="datetimeFigureOut">
               <a:rPr kumimoji="1" lang="zh-CN" altLang="en-US" smtClean="0"/>
-              <a:t>2019/10/16</a:t>
+              <a:t>2019/12/2</a:t>
             </a:fld>
             <a:endParaRPr kumimoji="1" lang="zh-CN" altLang="en-US"/>
           </a:p>
@@ -2017,7 +2017,7 @@
           <a:p>
             <a:fld id="{1C49BB65-7B3F-4D4E-A397-BBFD82890A5A}" type="datetimeFigureOut">
               <a:rPr kumimoji="1" lang="zh-CN" altLang="en-US" smtClean="0"/>
-              <a:t>2019/10/16</a:t>
+              <a:t>2019/12/2</a:t>
             </a:fld>
             <a:endParaRPr kumimoji="1" lang="zh-CN" altLang="en-US"/>
           </a:p>
@@ -2215,7 +2215,7 @@
           <a:p>
             <a:fld id="{1C49BB65-7B3F-4D4E-A397-BBFD82890A5A}" type="datetimeFigureOut">
               <a:rPr kumimoji="1" lang="zh-CN" altLang="en-US" smtClean="0"/>
-              <a:t>2019/10/16</a:t>
+              <a:t>2019/12/2</a:t>
             </a:fld>
             <a:endParaRPr kumimoji="1" lang="zh-CN" altLang="en-US"/>
           </a:p>
@@ -2423,7 +2423,7 @@
           <a:p>
             <a:fld id="{1C49BB65-7B3F-4D4E-A397-BBFD82890A5A}" type="datetimeFigureOut">
               <a:rPr kumimoji="1" lang="zh-CN" altLang="en-US" smtClean="0"/>
-              <a:t>2019/10/16</a:t>
+              <a:t>2019/12/2</a:t>
             </a:fld>
             <a:endParaRPr kumimoji="1" lang="zh-CN" altLang="en-US"/>
           </a:p>
@@ -2621,7 +2621,7 @@
           <a:p>
             <a:fld id="{1C49BB65-7B3F-4D4E-A397-BBFD82890A5A}" type="datetimeFigureOut">
               <a:rPr kumimoji="1" lang="zh-CN" altLang="en-US" smtClean="0"/>
-              <a:t>2019/10/16</a:t>
+              <a:t>2019/12/2</a:t>
             </a:fld>
             <a:endParaRPr kumimoji="1" lang="zh-CN" altLang="en-US"/>
           </a:p>
@@ -2896,7 +2896,7 @@
           <a:p>
             <a:fld id="{1C49BB65-7B3F-4D4E-A397-BBFD82890A5A}" type="datetimeFigureOut">
               <a:rPr kumimoji="1" lang="zh-CN" altLang="en-US" smtClean="0"/>
-              <a:t>2019/10/16</a:t>
+              <a:t>2019/12/2</a:t>
             </a:fld>
             <a:endParaRPr kumimoji="1" lang="zh-CN" altLang="en-US"/>
           </a:p>
@@ -3161,7 +3161,7 @@
           <a:p>
             <a:fld id="{1C49BB65-7B3F-4D4E-A397-BBFD82890A5A}" type="datetimeFigureOut">
               <a:rPr kumimoji="1" lang="zh-CN" altLang="en-US" smtClean="0"/>
-              <a:t>2019/10/16</a:t>
+              <a:t>2019/12/2</a:t>
             </a:fld>
             <a:endParaRPr kumimoji="1" lang="zh-CN" altLang="en-US"/>
           </a:p>
@@ -3573,7 +3573,7 @@
           <a:p>
             <a:fld id="{1C49BB65-7B3F-4D4E-A397-BBFD82890A5A}" type="datetimeFigureOut">
               <a:rPr kumimoji="1" lang="zh-CN" altLang="en-US" smtClean="0"/>
-              <a:t>2019/10/16</a:t>
+              <a:t>2019/12/2</a:t>
             </a:fld>
             <a:endParaRPr kumimoji="1" lang="zh-CN" altLang="en-US"/>
           </a:p>
@@ -3714,7 +3714,7 @@
           <a:p>
             <a:fld id="{1C49BB65-7B3F-4D4E-A397-BBFD82890A5A}" type="datetimeFigureOut">
               <a:rPr kumimoji="1" lang="zh-CN" altLang="en-US" smtClean="0"/>
-              <a:t>2019/10/16</a:t>
+              <a:t>2019/12/2</a:t>
             </a:fld>
             <a:endParaRPr kumimoji="1" lang="zh-CN" altLang="en-US"/>
           </a:p>
@@ -4084,7 +4084,7 @@
           <a:p>
             <a:fld id="{1C49BB65-7B3F-4D4E-A397-BBFD82890A5A}" type="datetimeFigureOut">
               <a:rPr kumimoji="1" lang="zh-CN" altLang="en-US" smtClean="0"/>
-              <a:t>2019/10/16</a:t>
+              <a:t>2019/12/2</a:t>
             </a:fld>
             <a:endParaRPr kumimoji="1" lang="zh-CN" altLang="en-US"/>
           </a:p>
@@ -4372,7 +4372,7 @@
           <a:p>
             <a:fld id="{1C49BB65-7B3F-4D4E-A397-BBFD82890A5A}" type="datetimeFigureOut">
               <a:rPr kumimoji="1" lang="zh-CN" altLang="en-US" smtClean="0"/>
-              <a:t>2019/10/16</a:t>
+              <a:t>2019/12/2</a:t>
             </a:fld>
             <a:endParaRPr kumimoji="1" lang="zh-CN" altLang="en-US"/>
           </a:p>
@@ -4613,7 +4613,7 @@
           <a:p>
             <a:fld id="{1C49BB65-7B3F-4D4E-A397-BBFD82890A5A}" type="datetimeFigureOut">
               <a:rPr kumimoji="1" lang="zh-CN" altLang="en-US" smtClean="0"/>
-              <a:t>2019/10/16</a:t>
+              <a:t>2019/12/2</a:t>
             </a:fld>
             <a:endParaRPr kumimoji="1" lang="zh-CN" altLang="en-US"/>
           </a:p>
@@ -14773,114 +14773,6 @@
           </a:p>
         </p:txBody>
       </p:sp>
-      <p:pic>
-        <p:nvPicPr>
-          <p:cNvPr id="20" name="图形 19" descr="程序员">
-            <a:extLst>
-              <a:ext uri="{FF2B5EF4-FFF2-40B4-BE49-F238E27FC236}">
-                <a16:creationId xmlns:a16="http://schemas.microsoft.com/office/drawing/2014/main" id="{7CE67446-4AFD-E246-A3E8-B036D5B5A9BF}"/>
-              </a:ext>
-            </a:extLst>
-          </p:cNvPr>
-          <p:cNvPicPr>
-            <a:picLocks noChangeAspect="1"/>
-          </p:cNvPicPr>
-          <p:nvPr/>
-        </p:nvPicPr>
-        <p:blipFill>
-          <a:blip r:embed="rId3">
-            <a:extLst>
-              <a:ext uri="{96DAC541-7B7A-43D3-8B79-37D633B846F1}">
-                <asvg:svgBlip xmlns:asvg="http://schemas.microsoft.com/office/drawing/2016/SVG/main" r:embed="rId4"/>
-              </a:ext>
-            </a:extLst>
-          </a:blip>
-          <a:stretch>
-            <a:fillRect/>
-          </a:stretch>
-        </p:blipFill>
-        <p:spPr>
-          <a:xfrm>
-            <a:off x="2874264" y="2358230"/>
-            <a:ext cx="760766" cy="760766"/>
-          </a:xfrm>
-          <a:prstGeom prst="rect">
-            <a:avLst/>
-          </a:prstGeom>
-        </p:spPr>
-      </p:pic>
-      <p:pic>
-        <p:nvPicPr>
-          <p:cNvPr id="22" name="图形 21" descr="程序员">
-            <a:extLst>
-              <a:ext uri="{FF2B5EF4-FFF2-40B4-BE49-F238E27FC236}">
-                <a16:creationId xmlns:a16="http://schemas.microsoft.com/office/drawing/2014/main" id="{3A3197C3-8271-014B-8E69-EFD15F75AA97}"/>
-              </a:ext>
-            </a:extLst>
-          </p:cNvPr>
-          <p:cNvPicPr>
-            <a:picLocks noChangeAspect="1"/>
-          </p:cNvPicPr>
-          <p:nvPr/>
-        </p:nvPicPr>
-        <p:blipFill>
-          <a:blip r:embed="rId3">
-            <a:extLst>
-              <a:ext uri="{96DAC541-7B7A-43D3-8B79-37D633B846F1}">
-                <asvg:svgBlip xmlns:asvg="http://schemas.microsoft.com/office/drawing/2016/SVG/main" r:embed="rId4"/>
-              </a:ext>
-            </a:extLst>
-          </a:blip>
-          <a:stretch>
-            <a:fillRect/>
-          </a:stretch>
-        </p:blipFill>
-        <p:spPr>
-          <a:xfrm>
-            <a:off x="2874264" y="3591296"/>
-            <a:ext cx="760766" cy="760766"/>
-          </a:xfrm>
-          <a:prstGeom prst="rect">
-            <a:avLst/>
-          </a:prstGeom>
-        </p:spPr>
-      </p:pic>
-      <p:pic>
-        <p:nvPicPr>
-          <p:cNvPr id="23" name="图形 22" descr="程序员">
-            <a:extLst>
-              <a:ext uri="{FF2B5EF4-FFF2-40B4-BE49-F238E27FC236}">
-                <a16:creationId xmlns:a16="http://schemas.microsoft.com/office/drawing/2014/main" id="{83E6CB48-F36C-C947-BB24-D8A91C6CFB96}"/>
-              </a:ext>
-            </a:extLst>
-          </p:cNvPr>
-          <p:cNvPicPr>
-            <a:picLocks noChangeAspect="1"/>
-          </p:cNvPicPr>
-          <p:nvPr/>
-        </p:nvPicPr>
-        <p:blipFill>
-          <a:blip r:embed="rId3">
-            <a:extLst>
-              <a:ext uri="{96DAC541-7B7A-43D3-8B79-37D633B846F1}">
-                <asvg:svgBlip xmlns:asvg="http://schemas.microsoft.com/office/drawing/2016/SVG/main" r:embed="rId4"/>
-              </a:ext>
-            </a:extLst>
-          </a:blip>
-          <a:stretch>
-            <a:fillRect/>
-          </a:stretch>
-        </p:blipFill>
-        <p:spPr>
-          <a:xfrm>
-            <a:off x="2874264" y="4801787"/>
-            <a:ext cx="760766" cy="760766"/>
-          </a:xfrm>
-          <a:prstGeom prst="rect">
-            <a:avLst/>
-          </a:prstGeom>
-        </p:spPr>
-      </p:pic>
     </p:spTree>
     <p:extLst>
       <p:ext uri="{BB962C8B-B14F-4D97-AF65-F5344CB8AC3E}">

--- a/2.线性表.pptx
+++ b/2.线性表.pptx
@@ -266,7 +266,7 @@
           <a:p>
             <a:fld id="{66C3546E-20F6-7649-A9A4-4E4A245D3E82}" type="datetimeFigureOut">
               <a:rPr kumimoji="1" lang="zh-CN" altLang="en-US" smtClean="0"/>
-              <a:t>2020/2/8</a:t>
+              <a:t>2020/2/9</a:t>
             </a:fld>
             <a:endParaRPr kumimoji="1" lang="zh-CN" altLang="en-US"/>
           </a:p>
@@ -2090,7 +2090,7 @@
           <a:p>
             <a:fld id="{1C49BB65-7B3F-4D4E-A397-BBFD82890A5A}" type="datetimeFigureOut">
               <a:rPr kumimoji="1" lang="zh-CN" altLang="en-US" smtClean="0"/>
-              <a:t>2020/2/8</a:t>
+              <a:t>2020/2/9</a:t>
             </a:fld>
             <a:endParaRPr kumimoji="1" lang="zh-CN" altLang="en-US"/>
           </a:p>
@@ -2288,7 +2288,7 @@
           <a:p>
             <a:fld id="{1C49BB65-7B3F-4D4E-A397-BBFD82890A5A}" type="datetimeFigureOut">
               <a:rPr kumimoji="1" lang="zh-CN" altLang="en-US" smtClean="0"/>
-              <a:t>2020/2/8</a:t>
+              <a:t>2020/2/9</a:t>
             </a:fld>
             <a:endParaRPr kumimoji="1" lang="zh-CN" altLang="en-US"/>
           </a:p>
@@ -2496,7 +2496,7 @@
           <a:p>
             <a:fld id="{1C49BB65-7B3F-4D4E-A397-BBFD82890A5A}" type="datetimeFigureOut">
               <a:rPr kumimoji="1" lang="zh-CN" altLang="en-US" smtClean="0"/>
-              <a:t>2020/2/8</a:t>
+              <a:t>2020/2/9</a:t>
             </a:fld>
             <a:endParaRPr kumimoji="1" lang="zh-CN" altLang="en-US"/>
           </a:p>
@@ -2694,7 +2694,7 @@
           <a:p>
             <a:fld id="{1C49BB65-7B3F-4D4E-A397-BBFD82890A5A}" type="datetimeFigureOut">
               <a:rPr kumimoji="1" lang="zh-CN" altLang="en-US" smtClean="0"/>
-              <a:t>2020/2/8</a:t>
+              <a:t>2020/2/9</a:t>
             </a:fld>
             <a:endParaRPr kumimoji="1" lang="zh-CN" altLang="en-US"/>
           </a:p>
@@ -2969,7 +2969,7 @@
           <a:p>
             <a:fld id="{1C49BB65-7B3F-4D4E-A397-BBFD82890A5A}" type="datetimeFigureOut">
               <a:rPr kumimoji="1" lang="zh-CN" altLang="en-US" smtClean="0"/>
-              <a:t>2020/2/8</a:t>
+              <a:t>2020/2/9</a:t>
             </a:fld>
             <a:endParaRPr kumimoji="1" lang="zh-CN" altLang="en-US"/>
           </a:p>
@@ -3234,7 +3234,7 @@
           <a:p>
             <a:fld id="{1C49BB65-7B3F-4D4E-A397-BBFD82890A5A}" type="datetimeFigureOut">
               <a:rPr kumimoji="1" lang="zh-CN" altLang="en-US" smtClean="0"/>
-              <a:t>2020/2/8</a:t>
+              <a:t>2020/2/9</a:t>
             </a:fld>
             <a:endParaRPr kumimoji="1" lang="zh-CN" altLang="en-US"/>
           </a:p>
@@ -3646,7 +3646,7 @@
           <a:p>
             <a:fld id="{1C49BB65-7B3F-4D4E-A397-BBFD82890A5A}" type="datetimeFigureOut">
               <a:rPr kumimoji="1" lang="zh-CN" altLang="en-US" smtClean="0"/>
-              <a:t>2020/2/8</a:t>
+              <a:t>2020/2/9</a:t>
             </a:fld>
             <a:endParaRPr kumimoji="1" lang="zh-CN" altLang="en-US"/>
           </a:p>
@@ -3787,7 +3787,7 @@
           <a:p>
             <a:fld id="{1C49BB65-7B3F-4D4E-A397-BBFD82890A5A}" type="datetimeFigureOut">
               <a:rPr kumimoji="1" lang="zh-CN" altLang="en-US" smtClean="0"/>
-              <a:t>2020/2/8</a:t>
+              <a:t>2020/2/9</a:t>
             </a:fld>
             <a:endParaRPr kumimoji="1" lang="zh-CN" altLang="en-US"/>
           </a:p>
@@ -4157,7 +4157,7 @@
           <a:p>
             <a:fld id="{1C49BB65-7B3F-4D4E-A397-BBFD82890A5A}" type="datetimeFigureOut">
               <a:rPr kumimoji="1" lang="zh-CN" altLang="en-US" smtClean="0"/>
-              <a:t>2020/2/8</a:t>
+              <a:t>2020/2/9</a:t>
             </a:fld>
             <a:endParaRPr kumimoji="1" lang="zh-CN" altLang="en-US"/>
           </a:p>
@@ -4445,7 +4445,7 @@
           <a:p>
             <a:fld id="{1C49BB65-7B3F-4D4E-A397-BBFD82890A5A}" type="datetimeFigureOut">
               <a:rPr kumimoji="1" lang="zh-CN" altLang="en-US" smtClean="0"/>
-              <a:t>2020/2/8</a:t>
+              <a:t>2020/2/9</a:t>
             </a:fld>
             <a:endParaRPr kumimoji="1" lang="zh-CN" altLang="en-US"/>
           </a:p>
@@ -4686,7 +4686,7 @@
           <a:p>
             <a:fld id="{1C49BB65-7B3F-4D4E-A397-BBFD82890A5A}" type="datetimeFigureOut">
               <a:rPr kumimoji="1" lang="zh-CN" altLang="en-US" smtClean="0"/>
-              <a:t>2020/2/8</a:t>
+              <a:t>2020/2/9</a:t>
             </a:fld>
             <a:endParaRPr kumimoji="1" lang="zh-CN" altLang="en-US"/>
           </a:p>
@@ -5381,49 +5381,6 @@
       </p:sp>
       <p:pic>
         <p:nvPicPr>
-          <p:cNvPr id="12" name="图片 2">
-            <a:extLst>
-              <a:ext uri="{FF2B5EF4-FFF2-40B4-BE49-F238E27FC236}">
-                <a16:creationId xmlns:a16="http://schemas.microsoft.com/office/drawing/2014/main" id="{54FA7268-FEB9-4843-BB82-F44CBC6A3ECA}"/>
-              </a:ext>
-            </a:extLst>
-          </p:cNvPr>
-          <p:cNvPicPr>
-            <a:picLocks noChangeAspect="1" noChangeArrowheads="1"/>
-          </p:cNvPicPr>
-          <p:nvPr/>
-        </p:nvPicPr>
-        <p:blipFill>
-          <a:blip r:embed="rId4" cstate="print">
-            <a:extLst>
-              <a:ext uri="{28A0092B-C50C-407E-A947-70E740481C1C}">
-                <a14:useLocalDpi xmlns:a14="http://schemas.microsoft.com/office/drawing/2010/main" val="0"/>
-              </a:ext>
-            </a:extLst>
-          </a:blip>
-          <a:srcRect l="2818" t="9651" r="2068" b="9219"/>
-          <a:stretch>
-            <a:fillRect/>
-          </a:stretch>
-        </p:blipFill>
-        <p:spPr bwMode="auto">
-          <a:xfrm>
-            <a:off x="9186863" y="0"/>
-            <a:ext cx="3005137" cy="782637"/>
-          </a:xfrm>
-          <a:prstGeom prst="rect">
-            <a:avLst/>
-          </a:prstGeom>
-          <a:solidFill>
-            <a:schemeClr val="accent1"/>
-          </a:solidFill>
-          <a:ln>
-            <a:noFill/>
-          </a:ln>
-        </p:spPr>
-      </p:pic>
-      <p:pic>
-        <p:nvPicPr>
           <p:cNvPr id="5" name="图片 4">
             <a:extLst>
               <a:ext uri="{FF2B5EF4-FFF2-40B4-BE49-F238E27FC236}">
@@ -5437,7 +5394,7 @@
           <p:nvPr/>
         </p:nvPicPr>
         <p:blipFill>
-          <a:blip r:embed="rId5"/>
+          <a:blip r:embed="rId4"/>
           <a:stretch>
             <a:fillRect/>
           </a:stretch>
@@ -5539,49 +5496,6 @@
       </p:sp>
       <p:pic>
         <p:nvPicPr>
-          <p:cNvPr id="12" name="图片 2">
-            <a:extLst>
-              <a:ext uri="{FF2B5EF4-FFF2-40B4-BE49-F238E27FC236}">
-                <a16:creationId xmlns:a16="http://schemas.microsoft.com/office/drawing/2014/main" id="{54FA7268-FEB9-4843-BB82-F44CBC6A3ECA}"/>
-              </a:ext>
-            </a:extLst>
-          </p:cNvPr>
-          <p:cNvPicPr>
-            <a:picLocks noChangeAspect="1" noChangeArrowheads="1"/>
-          </p:cNvPicPr>
-          <p:nvPr/>
-        </p:nvPicPr>
-        <p:blipFill>
-          <a:blip r:embed="rId4" cstate="print">
-            <a:extLst>
-              <a:ext uri="{28A0092B-C50C-407E-A947-70E740481C1C}">
-                <a14:useLocalDpi xmlns:a14="http://schemas.microsoft.com/office/drawing/2010/main" val="0"/>
-              </a:ext>
-            </a:extLst>
-          </a:blip>
-          <a:srcRect l="2818" t="9651" r="2068" b="9219"/>
-          <a:stretch>
-            <a:fillRect/>
-          </a:stretch>
-        </p:blipFill>
-        <p:spPr bwMode="auto">
-          <a:xfrm>
-            <a:off x="9186863" y="0"/>
-            <a:ext cx="3005137" cy="782637"/>
-          </a:xfrm>
-          <a:prstGeom prst="rect">
-            <a:avLst/>
-          </a:prstGeom>
-          <a:solidFill>
-            <a:schemeClr val="accent1"/>
-          </a:solidFill>
-          <a:ln>
-            <a:noFill/>
-          </a:ln>
-        </p:spPr>
-      </p:pic>
-      <p:pic>
-        <p:nvPicPr>
           <p:cNvPr id="7" name="图片 6">
             <a:extLst>
               <a:ext uri="{FF2B5EF4-FFF2-40B4-BE49-F238E27FC236}">
@@ -5595,7 +5509,7 @@
           <p:nvPr/>
         </p:nvPicPr>
         <p:blipFill>
-          <a:blip r:embed="rId5"/>
+          <a:blip r:embed="rId4"/>
           <a:stretch>
             <a:fillRect/>
           </a:stretch>
@@ -5781,49 +5695,6 @@
           </a:p>
         </p:txBody>
       </p:sp>
-      <p:pic>
-        <p:nvPicPr>
-          <p:cNvPr id="6" name="图片 2">
-            <a:extLst>
-              <a:ext uri="{FF2B5EF4-FFF2-40B4-BE49-F238E27FC236}">
-                <a16:creationId xmlns:a16="http://schemas.microsoft.com/office/drawing/2014/main" id="{07DB27F7-D452-3A46-9854-96A0119AFCCB}"/>
-              </a:ext>
-            </a:extLst>
-          </p:cNvPr>
-          <p:cNvPicPr>
-            <a:picLocks noChangeAspect="1" noChangeArrowheads="1"/>
-          </p:cNvPicPr>
-          <p:nvPr/>
-        </p:nvPicPr>
-        <p:blipFill>
-          <a:blip r:embed="rId3" cstate="print">
-            <a:extLst>
-              <a:ext uri="{28A0092B-C50C-407E-A947-70E740481C1C}">
-                <a14:useLocalDpi xmlns:a14="http://schemas.microsoft.com/office/drawing/2010/main" val="0"/>
-              </a:ext>
-            </a:extLst>
-          </a:blip>
-          <a:srcRect l="2818" t="9651" r="2068" b="9219"/>
-          <a:stretch>
-            <a:fillRect/>
-          </a:stretch>
-        </p:blipFill>
-        <p:spPr bwMode="auto">
-          <a:xfrm>
-            <a:off x="9186863" y="0"/>
-            <a:ext cx="3005137" cy="782637"/>
-          </a:xfrm>
-          <a:prstGeom prst="rect">
-            <a:avLst/>
-          </a:prstGeom>
-          <a:solidFill>
-            <a:schemeClr val="accent1"/>
-          </a:solidFill>
-          <a:ln>
-            <a:noFill/>
-          </a:ln>
-        </p:spPr>
-      </p:pic>
       <p:sp>
         <p:nvSpPr>
           <p:cNvPr id="4" name="文本框 3">
@@ -5956,49 +5827,6 @@
           <a:chExt cx="0" cy="0"/>
         </a:xfrm>
       </p:grpSpPr>
-      <p:pic>
-        <p:nvPicPr>
-          <p:cNvPr id="6" name="图片 2">
-            <a:extLst>
-              <a:ext uri="{FF2B5EF4-FFF2-40B4-BE49-F238E27FC236}">
-                <a16:creationId xmlns:a16="http://schemas.microsoft.com/office/drawing/2014/main" id="{07DB27F7-D452-3A46-9854-96A0119AFCCB}"/>
-              </a:ext>
-            </a:extLst>
-          </p:cNvPr>
-          <p:cNvPicPr>
-            <a:picLocks noChangeAspect="1" noChangeArrowheads="1"/>
-          </p:cNvPicPr>
-          <p:nvPr/>
-        </p:nvPicPr>
-        <p:blipFill>
-          <a:blip r:embed="rId3" cstate="print">
-            <a:extLst>
-              <a:ext uri="{28A0092B-C50C-407E-A947-70E740481C1C}">
-                <a14:useLocalDpi xmlns:a14="http://schemas.microsoft.com/office/drawing/2010/main" val="0"/>
-              </a:ext>
-            </a:extLst>
-          </a:blip>
-          <a:srcRect l="2818" t="9651" r="2068" b="9219"/>
-          <a:stretch>
-            <a:fillRect/>
-          </a:stretch>
-        </p:blipFill>
-        <p:spPr bwMode="auto">
-          <a:xfrm>
-            <a:off x="9186863" y="0"/>
-            <a:ext cx="3005137" cy="782637"/>
-          </a:xfrm>
-          <a:prstGeom prst="rect">
-            <a:avLst/>
-          </a:prstGeom>
-          <a:solidFill>
-            <a:schemeClr val="accent1"/>
-          </a:solidFill>
-          <a:ln>
-            <a:noFill/>
-          </a:ln>
-        </p:spPr>
-      </p:pic>
       <p:sp>
         <p:nvSpPr>
           <p:cNvPr id="5" name="矩形 4">
@@ -6278,49 +6106,6 @@
           </a:p>
         </p:txBody>
       </p:sp>
-      <p:pic>
-        <p:nvPicPr>
-          <p:cNvPr id="6" name="图片 2">
-            <a:extLst>
-              <a:ext uri="{FF2B5EF4-FFF2-40B4-BE49-F238E27FC236}">
-                <a16:creationId xmlns:a16="http://schemas.microsoft.com/office/drawing/2014/main" id="{07DB27F7-D452-3A46-9854-96A0119AFCCB}"/>
-              </a:ext>
-            </a:extLst>
-          </p:cNvPr>
-          <p:cNvPicPr>
-            <a:picLocks noChangeAspect="1" noChangeArrowheads="1"/>
-          </p:cNvPicPr>
-          <p:nvPr/>
-        </p:nvPicPr>
-        <p:blipFill>
-          <a:blip r:embed="rId3" cstate="print">
-            <a:extLst>
-              <a:ext uri="{28A0092B-C50C-407E-A947-70E740481C1C}">
-                <a14:useLocalDpi xmlns:a14="http://schemas.microsoft.com/office/drawing/2010/main" val="0"/>
-              </a:ext>
-            </a:extLst>
-          </a:blip>
-          <a:srcRect l="2818" t="9651" r="2068" b="9219"/>
-          <a:stretch>
-            <a:fillRect/>
-          </a:stretch>
-        </p:blipFill>
-        <p:spPr bwMode="auto">
-          <a:xfrm>
-            <a:off x="9186863" y="0"/>
-            <a:ext cx="3005137" cy="782637"/>
-          </a:xfrm>
-          <a:prstGeom prst="rect">
-            <a:avLst/>
-          </a:prstGeom>
-          <a:solidFill>
-            <a:schemeClr val="accent1"/>
-          </a:solidFill>
-          <a:ln>
-            <a:noFill/>
-          </a:ln>
-        </p:spPr>
-      </p:pic>
       <p:sp>
         <p:nvSpPr>
           <p:cNvPr id="2" name="矩形 1">
@@ -6937,49 +6722,6 @@
           </a:prstGeom>
         </p:spPr>
       </p:pic>
-      <p:pic>
-        <p:nvPicPr>
-          <p:cNvPr id="6" name="图片 2">
-            <a:extLst>
-              <a:ext uri="{FF2B5EF4-FFF2-40B4-BE49-F238E27FC236}">
-                <a16:creationId xmlns:a16="http://schemas.microsoft.com/office/drawing/2014/main" id="{910C652B-199F-7440-8AC8-534F33A82F0A}"/>
-              </a:ext>
-            </a:extLst>
-          </p:cNvPr>
-          <p:cNvPicPr>
-            <a:picLocks noChangeAspect="1" noChangeArrowheads="1"/>
-          </p:cNvPicPr>
-          <p:nvPr/>
-        </p:nvPicPr>
-        <p:blipFill>
-          <a:blip r:embed="rId4" cstate="print">
-            <a:extLst>
-              <a:ext uri="{28A0092B-C50C-407E-A947-70E740481C1C}">
-                <a14:useLocalDpi xmlns:a14="http://schemas.microsoft.com/office/drawing/2010/main" val="0"/>
-              </a:ext>
-            </a:extLst>
-          </a:blip>
-          <a:srcRect l="2818" t="9651" r="2068" b="9219"/>
-          <a:stretch>
-            <a:fillRect/>
-          </a:stretch>
-        </p:blipFill>
-        <p:spPr bwMode="auto">
-          <a:xfrm>
-            <a:off x="9186863" y="0"/>
-            <a:ext cx="3005137" cy="782637"/>
-          </a:xfrm>
-          <a:prstGeom prst="rect">
-            <a:avLst/>
-          </a:prstGeom>
-          <a:solidFill>
-            <a:schemeClr val="accent1"/>
-          </a:solidFill>
-          <a:ln>
-            <a:noFill/>
-          </a:ln>
-        </p:spPr>
-      </p:pic>
     </p:spTree>
     <p:extLst>
       <p:ext uri="{BB962C8B-B14F-4D97-AF65-F5344CB8AC3E}">
@@ -7596,49 +7338,6 @@
           </a:p>
         </p:txBody>
       </p:sp>
-      <p:pic>
-        <p:nvPicPr>
-          <p:cNvPr id="17" name="图片 2">
-            <a:extLst>
-              <a:ext uri="{FF2B5EF4-FFF2-40B4-BE49-F238E27FC236}">
-                <a16:creationId xmlns:a16="http://schemas.microsoft.com/office/drawing/2014/main" id="{5E8E76C4-A9C7-EE40-A994-F77ADB4054F0}"/>
-              </a:ext>
-            </a:extLst>
-          </p:cNvPr>
-          <p:cNvPicPr>
-            <a:picLocks noChangeAspect="1" noChangeArrowheads="1"/>
-          </p:cNvPicPr>
-          <p:nvPr/>
-        </p:nvPicPr>
-        <p:blipFill>
-          <a:blip r:embed="rId3" cstate="print">
-            <a:extLst>
-              <a:ext uri="{28A0092B-C50C-407E-A947-70E740481C1C}">
-                <a14:useLocalDpi xmlns:a14="http://schemas.microsoft.com/office/drawing/2010/main" val="0"/>
-              </a:ext>
-            </a:extLst>
-          </a:blip>
-          <a:srcRect l="2818" t="9651" r="2068" b="9219"/>
-          <a:stretch>
-            <a:fillRect/>
-          </a:stretch>
-        </p:blipFill>
-        <p:spPr bwMode="auto">
-          <a:xfrm>
-            <a:off x="9186863" y="0"/>
-            <a:ext cx="3005137" cy="782637"/>
-          </a:xfrm>
-          <a:prstGeom prst="rect">
-            <a:avLst/>
-          </a:prstGeom>
-          <a:solidFill>
-            <a:schemeClr val="accent1"/>
-          </a:solidFill>
-          <a:ln>
-            <a:noFill/>
-          </a:ln>
-        </p:spPr>
-      </p:pic>
     </p:spTree>
     <p:extLst>
       <p:ext uri="{BB962C8B-B14F-4D97-AF65-F5344CB8AC3E}">
@@ -9151,49 +8850,6 @@
           </a:prstGeom>
         </p:spPr>
       </p:pic>
-      <p:pic>
-        <p:nvPicPr>
-          <p:cNvPr id="25" name="图片 2">
-            <a:extLst>
-              <a:ext uri="{FF2B5EF4-FFF2-40B4-BE49-F238E27FC236}">
-                <a16:creationId xmlns:a16="http://schemas.microsoft.com/office/drawing/2014/main" id="{1005C84A-A205-4641-B68F-A24AAC9D64E5}"/>
-              </a:ext>
-            </a:extLst>
-          </p:cNvPr>
-          <p:cNvPicPr>
-            <a:picLocks noChangeAspect="1" noChangeArrowheads="1"/>
-          </p:cNvPicPr>
-          <p:nvPr/>
-        </p:nvPicPr>
-        <p:blipFill>
-          <a:blip r:embed="rId5" cstate="print">
-            <a:extLst>
-              <a:ext uri="{28A0092B-C50C-407E-A947-70E740481C1C}">
-                <a14:useLocalDpi xmlns:a14="http://schemas.microsoft.com/office/drawing/2010/main" val="0"/>
-              </a:ext>
-            </a:extLst>
-          </a:blip>
-          <a:srcRect l="2818" t="9651" r="2068" b="9219"/>
-          <a:stretch>
-            <a:fillRect/>
-          </a:stretch>
-        </p:blipFill>
-        <p:spPr bwMode="auto">
-          <a:xfrm>
-            <a:off x="9186863" y="0"/>
-            <a:ext cx="3005137" cy="782637"/>
-          </a:xfrm>
-          <a:prstGeom prst="rect">
-            <a:avLst/>
-          </a:prstGeom>
-          <a:solidFill>
-            <a:schemeClr val="accent1"/>
-          </a:solidFill>
-          <a:ln>
-            <a:noFill/>
-          </a:ln>
-        </p:spPr>
-      </p:pic>
     </p:spTree>
     <p:extLst>
       <p:ext uri="{BB962C8B-B14F-4D97-AF65-F5344CB8AC3E}">
@@ -10257,49 +9913,6 @@
           </a:p>
         </p:txBody>
       </p:sp>
-      <p:pic>
-        <p:nvPicPr>
-          <p:cNvPr id="25" name="图片 2">
-            <a:extLst>
-              <a:ext uri="{FF2B5EF4-FFF2-40B4-BE49-F238E27FC236}">
-                <a16:creationId xmlns:a16="http://schemas.microsoft.com/office/drawing/2014/main" id="{892A16B2-939E-FD42-9D2E-74AD2BCBFA0D}"/>
-              </a:ext>
-            </a:extLst>
-          </p:cNvPr>
-          <p:cNvPicPr>
-            <a:picLocks noChangeAspect="1" noChangeArrowheads="1"/>
-          </p:cNvPicPr>
-          <p:nvPr/>
-        </p:nvPicPr>
-        <p:blipFill>
-          <a:blip r:embed="rId3" cstate="print">
-            <a:extLst>
-              <a:ext uri="{28A0092B-C50C-407E-A947-70E740481C1C}">
-                <a14:useLocalDpi xmlns:a14="http://schemas.microsoft.com/office/drawing/2010/main" val="0"/>
-              </a:ext>
-            </a:extLst>
-          </a:blip>
-          <a:srcRect l="2818" t="9651" r="2068" b="9219"/>
-          <a:stretch>
-            <a:fillRect/>
-          </a:stretch>
-        </p:blipFill>
-        <p:spPr bwMode="auto">
-          <a:xfrm>
-            <a:off x="9186863" y="0"/>
-            <a:ext cx="3005137" cy="782637"/>
-          </a:xfrm>
-          <a:prstGeom prst="rect">
-            <a:avLst/>
-          </a:prstGeom>
-          <a:solidFill>
-            <a:schemeClr val="accent1"/>
-          </a:solidFill>
-          <a:ln>
-            <a:noFill/>
-          </a:ln>
-        </p:spPr>
-      </p:pic>
     </p:spTree>
     <p:extLst>
       <p:ext uri="{BB962C8B-B14F-4D97-AF65-F5344CB8AC3E}">
@@ -11428,49 +11041,6 @@
           </a:p>
         </p:txBody>
       </p:sp>
-      <p:pic>
-        <p:nvPicPr>
-          <p:cNvPr id="17" name="图片 2">
-            <a:extLst>
-              <a:ext uri="{FF2B5EF4-FFF2-40B4-BE49-F238E27FC236}">
-                <a16:creationId xmlns:a16="http://schemas.microsoft.com/office/drawing/2014/main" id="{4846F11C-0AFD-E744-954F-58EAA031BFE6}"/>
-              </a:ext>
-            </a:extLst>
-          </p:cNvPr>
-          <p:cNvPicPr>
-            <a:picLocks noChangeAspect="1" noChangeArrowheads="1"/>
-          </p:cNvPicPr>
-          <p:nvPr/>
-        </p:nvPicPr>
-        <p:blipFill>
-          <a:blip r:embed="rId3" cstate="print">
-            <a:extLst>
-              <a:ext uri="{28A0092B-C50C-407E-A947-70E740481C1C}">
-                <a14:useLocalDpi xmlns:a14="http://schemas.microsoft.com/office/drawing/2010/main" val="0"/>
-              </a:ext>
-            </a:extLst>
-          </a:blip>
-          <a:srcRect l="2818" t="9651" r="2068" b="9219"/>
-          <a:stretch>
-            <a:fillRect/>
-          </a:stretch>
-        </p:blipFill>
-        <p:spPr bwMode="auto">
-          <a:xfrm>
-            <a:off x="9186863" y="0"/>
-            <a:ext cx="3005137" cy="782637"/>
-          </a:xfrm>
-          <a:prstGeom prst="rect">
-            <a:avLst/>
-          </a:prstGeom>
-          <a:solidFill>
-            <a:schemeClr val="accent1"/>
-          </a:solidFill>
-          <a:ln>
-            <a:noFill/>
-          </a:ln>
-        </p:spPr>
-      </p:pic>
     </p:spTree>
     <p:extLst>
       <p:ext uri="{BB962C8B-B14F-4D97-AF65-F5344CB8AC3E}">
@@ -12109,49 +11679,6 @@
           </a:p>
         </p:txBody>
       </p:sp>
-      <p:pic>
-        <p:nvPicPr>
-          <p:cNvPr id="4" name="图片 2">
-            <a:extLst>
-              <a:ext uri="{FF2B5EF4-FFF2-40B4-BE49-F238E27FC236}">
-                <a16:creationId xmlns:a16="http://schemas.microsoft.com/office/drawing/2014/main" id="{9F3C48D8-ADA2-C947-8538-9219FC0AC594}"/>
-              </a:ext>
-            </a:extLst>
-          </p:cNvPr>
-          <p:cNvPicPr>
-            <a:picLocks noChangeAspect="1" noChangeArrowheads="1"/>
-          </p:cNvPicPr>
-          <p:nvPr/>
-        </p:nvPicPr>
-        <p:blipFill>
-          <a:blip r:embed="rId3" cstate="print">
-            <a:extLst>
-              <a:ext uri="{28A0092B-C50C-407E-A947-70E740481C1C}">
-                <a14:useLocalDpi xmlns:a14="http://schemas.microsoft.com/office/drawing/2010/main" val="0"/>
-              </a:ext>
-            </a:extLst>
-          </a:blip>
-          <a:srcRect l="2818" t="9651" r="2068" b="9219"/>
-          <a:stretch>
-            <a:fillRect/>
-          </a:stretch>
-        </p:blipFill>
-        <p:spPr bwMode="auto">
-          <a:xfrm>
-            <a:off x="9186863" y="0"/>
-            <a:ext cx="3005137" cy="782637"/>
-          </a:xfrm>
-          <a:prstGeom prst="rect">
-            <a:avLst/>
-          </a:prstGeom>
-          <a:solidFill>
-            <a:schemeClr val="accent1"/>
-          </a:solidFill>
-          <a:ln>
-            <a:noFill/>
-          </a:ln>
-        </p:spPr>
-      </p:pic>
     </p:spTree>
     <p:extLst>
       <p:ext uri="{BB962C8B-B14F-4D97-AF65-F5344CB8AC3E}">
@@ -12586,49 +12113,6 @@
           </a:graphicData>
         </a:graphic>
       </p:graphicFrame>
-      <p:pic>
-        <p:nvPicPr>
-          <p:cNvPr id="8" name="图片 2">
-            <a:extLst>
-              <a:ext uri="{FF2B5EF4-FFF2-40B4-BE49-F238E27FC236}">
-                <a16:creationId xmlns:a16="http://schemas.microsoft.com/office/drawing/2014/main" id="{4681F9A3-35F8-6845-BCB8-7A6766281611}"/>
-              </a:ext>
-            </a:extLst>
-          </p:cNvPr>
-          <p:cNvPicPr>
-            <a:picLocks noChangeAspect="1" noChangeArrowheads="1"/>
-          </p:cNvPicPr>
-          <p:nvPr/>
-        </p:nvPicPr>
-        <p:blipFill>
-          <a:blip r:embed="rId4" cstate="print">
-            <a:extLst>
-              <a:ext uri="{28A0092B-C50C-407E-A947-70E740481C1C}">
-                <a14:useLocalDpi xmlns:a14="http://schemas.microsoft.com/office/drawing/2010/main" val="0"/>
-              </a:ext>
-            </a:extLst>
-          </a:blip>
-          <a:srcRect l="2818" t="9651" r="2068" b="9219"/>
-          <a:stretch>
-            <a:fillRect/>
-          </a:stretch>
-        </p:blipFill>
-        <p:spPr bwMode="auto">
-          <a:xfrm>
-            <a:off x="9186863" y="0"/>
-            <a:ext cx="3005137" cy="782637"/>
-          </a:xfrm>
-          <a:prstGeom prst="rect">
-            <a:avLst/>
-          </a:prstGeom>
-          <a:solidFill>
-            <a:schemeClr val="accent1"/>
-          </a:solidFill>
-          <a:ln>
-            <a:noFill/>
-          </a:ln>
-        </p:spPr>
-      </p:pic>
     </p:spTree>
     <p:extLst>
       <p:ext uri="{BB962C8B-B14F-4D97-AF65-F5344CB8AC3E}">
@@ -12824,49 +12308,6 @@
           <a:prstGeom prst="rect">
             <a:avLst/>
           </a:prstGeom>
-        </p:spPr>
-      </p:pic>
-      <p:pic>
-        <p:nvPicPr>
-          <p:cNvPr id="7" name="图片 2">
-            <a:extLst>
-              <a:ext uri="{FF2B5EF4-FFF2-40B4-BE49-F238E27FC236}">
-                <a16:creationId xmlns:a16="http://schemas.microsoft.com/office/drawing/2014/main" id="{893239BC-9B6C-4B41-9C84-96ACBFF0D83F}"/>
-              </a:ext>
-            </a:extLst>
-          </p:cNvPr>
-          <p:cNvPicPr>
-            <a:picLocks noChangeAspect="1" noChangeArrowheads="1"/>
-          </p:cNvPicPr>
-          <p:nvPr/>
-        </p:nvPicPr>
-        <p:blipFill>
-          <a:blip r:embed="rId4" cstate="print">
-            <a:extLst>
-              <a:ext uri="{28A0092B-C50C-407E-A947-70E740481C1C}">
-                <a14:useLocalDpi xmlns:a14="http://schemas.microsoft.com/office/drawing/2010/main" val="0"/>
-              </a:ext>
-            </a:extLst>
-          </a:blip>
-          <a:srcRect l="2818" t="9651" r="2068" b="9219"/>
-          <a:stretch>
-            <a:fillRect/>
-          </a:stretch>
-        </p:blipFill>
-        <p:spPr bwMode="auto">
-          <a:xfrm>
-            <a:off x="9186863" y="0"/>
-            <a:ext cx="3005137" cy="782637"/>
-          </a:xfrm>
-          <a:prstGeom prst="rect">
-            <a:avLst/>
-          </a:prstGeom>
-          <a:solidFill>
-            <a:schemeClr val="accent1"/>
-          </a:solidFill>
-          <a:ln>
-            <a:noFill/>
-          </a:ln>
         </p:spPr>
       </p:pic>
     </p:spTree>
@@ -13141,49 +12582,6 @@
           </a:prstGeom>
         </p:spPr>
       </p:pic>
-      <p:pic>
-        <p:nvPicPr>
-          <p:cNvPr id="8" name="图片 2">
-            <a:extLst>
-              <a:ext uri="{FF2B5EF4-FFF2-40B4-BE49-F238E27FC236}">
-                <a16:creationId xmlns:a16="http://schemas.microsoft.com/office/drawing/2014/main" id="{CBF3765E-A436-2041-BA72-FF850BDED20D}"/>
-              </a:ext>
-            </a:extLst>
-          </p:cNvPr>
-          <p:cNvPicPr>
-            <a:picLocks noChangeAspect="1" noChangeArrowheads="1"/>
-          </p:cNvPicPr>
-          <p:nvPr/>
-        </p:nvPicPr>
-        <p:blipFill>
-          <a:blip r:embed="rId5" cstate="print">
-            <a:extLst>
-              <a:ext uri="{28A0092B-C50C-407E-A947-70E740481C1C}">
-                <a14:useLocalDpi xmlns:a14="http://schemas.microsoft.com/office/drawing/2010/main" val="0"/>
-              </a:ext>
-            </a:extLst>
-          </a:blip>
-          <a:srcRect l="2818" t="9651" r="2068" b="9219"/>
-          <a:stretch>
-            <a:fillRect/>
-          </a:stretch>
-        </p:blipFill>
-        <p:spPr bwMode="auto">
-          <a:xfrm>
-            <a:off x="9186863" y="0"/>
-            <a:ext cx="3005137" cy="782637"/>
-          </a:xfrm>
-          <a:prstGeom prst="rect">
-            <a:avLst/>
-          </a:prstGeom>
-          <a:solidFill>
-            <a:schemeClr val="accent1"/>
-          </a:solidFill>
-          <a:ln>
-            <a:noFill/>
-          </a:ln>
-        </p:spPr>
-      </p:pic>
     </p:spTree>
     <p:extLst>
       <p:ext uri="{BB962C8B-B14F-4D97-AF65-F5344CB8AC3E}">
@@ -13365,49 +12763,6 @@
           </a:p>
         </p:txBody>
       </p:sp>
-      <p:pic>
-        <p:nvPicPr>
-          <p:cNvPr id="5" name="图片 2">
-            <a:extLst>
-              <a:ext uri="{FF2B5EF4-FFF2-40B4-BE49-F238E27FC236}">
-                <a16:creationId xmlns:a16="http://schemas.microsoft.com/office/drawing/2014/main" id="{DDF2A755-ED80-5A4E-8843-0D4714F582E1}"/>
-              </a:ext>
-            </a:extLst>
-          </p:cNvPr>
-          <p:cNvPicPr>
-            <a:picLocks noChangeAspect="1" noChangeArrowheads="1"/>
-          </p:cNvPicPr>
-          <p:nvPr/>
-        </p:nvPicPr>
-        <p:blipFill>
-          <a:blip r:embed="rId4" cstate="print">
-            <a:extLst>
-              <a:ext uri="{28A0092B-C50C-407E-A947-70E740481C1C}">
-                <a14:useLocalDpi xmlns:a14="http://schemas.microsoft.com/office/drawing/2010/main" val="0"/>
-              </a:ext>
-            </a:extLst>
-          </a:blip>
-          <a:srcRect l="2818" t="9651" r="2068" b="9219"/>
-          <a:stretch>
-            <a:fillRect/>
-          </a:stretch>
-        </p:blipFill>
-        <p:spPr bwMode="auto">
-          <a:xfrm>
-            <a:off x="9186863" y="0"/>
-            <a:ext cx="3005137" cy="782637"/>
-          </a:xfrm>
-          <a:prstGeom prst="rect">
-            <a:avLst/>
-          </a:prstGeom>
-          <a:solidFill>
-            <a:schemeClr val="accent1"/>
-          </a:solidFill>
-          <a:ln>
-            <a:noFill/>
-          </a:ln>
-        </p:spPr>
-      </p:pic>
     </p:spTree>
     <p:extLst>
       <p:ext uri="{BB962C8B-B14F-4D97-AF65-F5344CB8AC3E}">
@@ -13646,49 +13001,6 @@
           </a:prstGeom>
         </p:spPr>
       </p:pic>
-      <p:pic>
-        <p:nvPicPr>
-          <p:cNvPr id="9" name="图片 2">
-            <a:extLst>
-              <a:ext uri="{FF2B5EF4-FFF2-40B4-BE49-F238E27FC236}">
-                <a16:creationId xmlns:a16="http://schemas.microsoft.com/office/drawing/2014/main" id="{A382A273-F6E8-9D4B-A969-E6994C72C6D9}"/>
-              </a:ext>
-            </a:extLst>
-          </p:cNvPr>
-          <p:cNvPicPr>
-            <a:picLocks noChangeAspect="1" noChangeArrowheads="1"/>
-          </p:cNvPicPr>
-          <p:nvPr/>
-        </p:nvPicPr>
-        <p:blipFill>
-          <a:blip r:embed="rId6" cstate="print">
-            <a:extLst>
-              <a:ext uri="{28A0092B-C50C-407E-A947-70E740481C1C}">
-                <a14:useLocalDpi xmlns:a14="http://schemas.microsoft.com/office/drawing/2010/main" val="0"/>
-              </a:ext>
-            </a:extLst>
-          </a:blip>
-          <a:srcRect l="2818" t="9651" r="2068" b="9219"/>
-          <a:stretch>
-            <a:fillRect/>
-          </a:stretch>
-        </p:blipFill>
-        <p:spPr bwMode="auto">
-          <a:xfrm>
-            <a:off x="9186863" y="0"/>
-            <a:ext cx="3005137" cy="782637"/>
-          </a:xfrm>
-          <a:prstGeom prst="rect">
-            <a:avLst/>
-          </a:prstGeom>
-          <a:solidFill>
-            <a:schemeClr val="accent1"/>
-          </a:solidFill>
-          <a:ln>
-            <a:noFill/>
-          </a:ln>
-        </p:spPr>
-      </p:pic>
     </p:spTree>
     <p:extLst>
       <p:ext uri="{BB962C8B-B14F-4D97-AF65-F5344CB8AC3E}">
@@ -13881,49 +13193,6 @@
           <a:prstGeom prst="rect">
             <a:avLst/>
           </a:prstGeom>
-        </p:spPr>
-      </p:pic>
-      <p:pic>
-        <p:nvPicPr>
-          <p:cNvPr id="9" name="图片 2">
-            <a:extLst>
-              <a:ext uri="{FF2B5EF4-FFF2-40B4-BE49-F238E27FC236}">
-                <a16:creationId xmlns:a16="http://schemas.microsoft.com/office/drawing/2014/main" id="{0B7DCA57-4CFB-674F-A314-AACE158B7A1E}"/>
-              </a:ext>
-            </a:extLst>
-          </p:cNvPr>
-          <p:cNvPicPr>
-            <a:picLocks noChangeAspect="1" noChangeArrowheads="1"/>
-          </p:cNvPicPr>
-          <p:nvPr/>
-        </p:nvPicPr>
-        <p:blipFill>
-          <a:blip r:embed="rId5" cstate="print">
-            <a:extLst>
-              <a:ext uri="{28A0092B-C50C-407E-A947-70E740481C1C}">
-                <a14:useLocalDpi xmlns:a14="http://schemas.microsoft.com/office/drawing/2010/main" val="0"/>
-              </a:ext>
-            </a:extLst>
-          </a:blip>
-          <a:srcRect l="2818" t="9651" r="2068" b="9219"/>
-          <a:stretch>
-            <a:fillRect/>
-          </a:stretch>
-        </p:blipFill>
-        <p:spPr bwMode="auto">
-          <a:xfrm>
-            <a:off x="9186863" y="0"/>
-            <a:ext cx="3005137" cy="782637"/>
-          </a:xfrm>
-          <a:prstGeom prst="rect">
-            <a:avLst/>
-          </a:prstGeom>
-          <a:solidFill>
-            <a:schemeClr val="accent1"/>
-          </a:solidFill>
-          <a:ln>
-            <a:noFill/>
-          </a:ln>
         </p:spPr>
       </p:pic>
     </p:spTree>
@@ -14004,49 +13273,6 @@
           </a:p>
         </p:txBody>
       </p:sp>
-      <p:pic>
-        <p:nvPicPr>
-          <p:cNvPr id="5" name="图片 2">
-            <a:extLst>
-              <a:ext uri="{FF2B5EF4-FFF2-40B4-BE49-F238E27FC236}">
-                <a16:creationId xmlns:a16="http://schemas.microsoft.com/office/drawing/2014/main" id="{F2DD941B-CDCB-3F46-99E0-032DFD0934F4}"/>
-              </a:ext>
-            </a:extLst>
-          </p:cNvPr>
-          <p:cNvPicPr>
-            <a:picLocks noChangeAspect="1" noChangeArrowheads="1"/>
-          </p:cNvPicPr>
-          <p:nvPr/>
-        </p:nvPicPr>
-        <p:blipFill>
-          <a:blip r:embed="rId4" cstate="print">
-            <a:extLst>
-              <a:ext uri="{28A0092B-C50C-407E-A947-70E740481C1C}">
-                <a14:useLocalDpi xmlns:a14="http://schemas.microsoft.com/office/drawing/2010/main" val="0"/>
-              </a:ext>
-            </a:extLst>
-          </a:blip>
-          <a:srcRect l="2818" t="9651" r="2068" b="9219"/>
-          <a:stretch>
-            <a:fillRect/>
-          </a:stretch>
-        </p:blipFill>
-        <p:spPr bwMode="auto">
-          <a:xfrm>
-            <a:off x="9186863" y="0"/>
-            <a:ext cx="3005137" cy="782637"/>
-          </a:xfrm>
-          <a:prstGeom prst="rect">
-            <a:avLst/>
-          </a:prstGeom>
-          <a:solidFill>
-            <a:schemeClr val="accent1"/>
-          </a:solidFill>
-          <a:ln>
-            <a:noFill/>
-          </a:ln>
-        </p:spPr>
-      </p:pic>
     </p:spTree>
     <p:extLst>
       <p:ext uri="{BB962C8B-B14F-4D97-AF65-F5344CB8AC3E}">
@@ -14639,49 +13865,6 @@
           </a:p>
         </p:txBody>
       </p:sp>
-      <p:pic>
-        <p:nvPicPr>
-          <p:cNvPr id="10" name="图片 2">
-            <a:extLst>
-              <a:ext uri="{FF2B5EF4-FFF2-40B4-BE49-F238E27FC236}">
-                <a16:creationId xmlns:a16="http://schemas.microsoft.com/office/drawing/2014/main" id="{A3AFF62B-6BD4-F24A-9B4C-415D777F8CF3}"/>
-              </a:ext>
-            </a:extLst>
-          </p:cNvPr>
-          <p:cNvPicPr>
-            <a:picLocks noChangeAspect="1" noChangeArrowheads="1"/>
-          </p:cNvPicPr>
-          <p:nvPr/>
-        </p:nvPicPr>
-        <p:blipFill>
-          <a:blip r:embed="rId4" cstate="print">
-            <a:extLst>
-              <a:ext uri="{28A0092B-C50C-407E-A947-70E740481C1C}">
-                <a14:useLocalDpi xmlns:a14="http://schemas.microsoft.com/office/drawing/2010/main" val="0"/>
-              </a:ext>
-            </a:extLst>
-          </a:blip>
-          <a:srcRect l="2818" t="9651" r="2068" b="9219"/>
-          <a:stretch>
-            <a:fillRect/>
-          </a:stretch>
-        </p:blipFill>
-        <p:spPr bwMode="auto">
-          <a:xfrm>
-            <a:off x="9186863" y="0"/>
-            <a:ext cx="3005137" cy="782637"/>
-          </a:xfrm>
-          <a:prstGeom prst="rect">
-            <a:avLst/>
-          </a:prstGeom>
-          <a:solidFill>
-            <a:schemeClr val="accent1"/>
-          </a:solidFill>
-          <a:ln>
-            <a:noFill/>
-          </a:ln>
-        </p:spPr>
-      </p:pic>
       <p:sp>
         <p:nvSpPr>
           <p:cNvPr id="12" name="文本框 11">
@@ -14899,49 +14082,6 @@
           </a:p>
         </p:txBody>
       </p:sp>
-      <p:pic>
-        <p:nvPicPr>
-          <p:cNvPr id="10" name="图片 2">
-            <a:extLst>
-              <a:ext uri="{FF2B5EF4-FFF2-40B4-BE49-F238E27FC236}">
-                <a16:creationId xmlns:a16="http://schemas.microsoft.com/office/drawing/2014/main" id="{A3AFF62B-6BD4-F24A-9B4C-415D777F8CF3}"/>
-              </a:ext>
-            </a:extLst>
-          </p:cNvPr>
-          <p:cNvPicPr>
-            <a:picLocks noChangeAspect="1" noChangeArrowheads="1"/>
-          </p:cNvPicPr>
-          <p:nvPr/>
-        </p:nvPicPr>
-        <p:blipFill>
-          <a:blip r:embed="rId4" cstate="print">
-            <a:extLst>
-              <a:ext uri="{28A0092B-C50C-407E-A947-70E740481C1C}">
-                <a14:useLocalDpi xmlns:a14="http://schemas.microsoft.com/office/drawing/2010/main" val="0"/>
-              </a:ext>
-            </a:extLst>
-          </a:blip>
-          <a:srcRect l="2818" t="9651" r="2068" b="9219"/>
-          <a:stretch>
-            <a:fillRect/>
-          </a:stretch>
-        </p:blipFill>
-        <p:spPr bwMode="auto">
-          <a:xfrm>
-            <a:off x="9186863" y="0"/>
-            <a:ext cx="3005137" cy="782637"/>
-          </a:xfrm>
-          <a:prstGeom prst="rect">
-            <a:avLst/>
-          </a:prstGeom>
-          <a:solidFill>
-            <a:schemeClr val="accent1"/>
-          </a:solidFill>
-          <a:ln>
-            <a:noFill/>
-          </a:ln>
-        </p:spPr>
-      </p:pic>
       <p:sp>
         <p:nvSpPr>
           <p:cNvPr id="7" name="文本框 6">
@@ -15033,10 +14173,10 @@
           <p:nvPr/>
         </p:nvPicPr>
         <p:blipFill>
-          <a:blip r:embed="rId5">
+          <a:blip r:embed="rId4">
             <a:extLst>
               <a:ext uri="{96DAC541-7B7A-43D3-8B79-37D633B846F1}">
-                <asvg:svgBlip xmlns:asvg="http://schemas.microsoft.com/office/drawing/2016/SVG/main" r:embed="rId6"/>
+                <asvg:svgBlip xmlns:asvg="http://schemas.microsoft.com/office/drawing/2016/SVG/main" r:embed="rId5"/>
               </a:ext>
             </a:extLst>
           </a:blip>
@@ -15069,10 +14209,10 @@
           <p:nvPr/>
         </p:nvPicPr>
         <p:blipFill>
-          <a:blip r:embed="rId7">
+          <a:blip r:embed="rId6">
             <a:extLst>
               <a:ext uri="{96DAC541-7B7A-43D3-8B79-37D633B846F1}">
-                <asvg:svgBlip xmlns:asvg="http://schemas.microsoft.com/office/drawing/2016/SVG/main" r:embed="rId8"/>
+                <asvg:svgBlip xmlns:asvg="http://schemas.microsoft.com/office/drawing/2016/SVG/main" r:embed="rId7"/>
               </a:ext>
             </a:extLst>
           </a:blip>
@@ -15105,10 +14245,10 @@
           <p:nvPr/>
         </p:nvPicPr>
         <p:blipFill>
-          <a:blip r:embed="rId7">
+          <a:blip r:embed="rId6">
             <a:extLst>
               <a:ext uri="{96DAC541-7B7A-43D3-8B79-37D633B846F1}">
-                <asvg:svgBlip xmlns:asvg="http://schemas.microsoft.com/office/drawing/2016/SVG/main" r:embed="rId8"/>
+                <asvg:svgBlip xmlns:asvg="http://schemas.microsoft.com/office/drawing/2016/SVG/main" r:embed="rId7"/>
               </a:ext>
             </a:extLst>
           </a:blip>
@@ -15207,10 +14347,10 @@
           <p:nvPr/>
         </p:nvPicPr>
         <p:blipFill>
-          <a:blip r:embed="rId5">
+          <a:blip r:embed="rId4">
             <a:extLst>
               <a:ext uri="{96DAC541-7B7A-43D3-8B79-37D633B846F1}">
-                <asvg:svgBlip xmlns:asvg="http://schemas.microsoft.com/office/drawing/2016/SVG/main" r:embed="rId6"/>
+                <asvg:svgBlip xmlns:asvg="http://schemas.microsoft.com/office/drawing/2016/SVG/main" r:embed="rId5"/>
               </a:ext>
             </a:extLst>
           </a:blip>
@@ -15957,49 +15097,6 @@
           </a:p>
         </p:txBody>
       </p:sp>
-      <p:pic>
-        <p:nvPicPr>
-          <p:cNvPr id="7" name="图片 2">
-            <a:extLst>
-              <a:ext uri="{FF2B5EF4-FFF2-40B4-BE49-F238E27FC236}">
-                <a16:creationId xmlns:a16="http://schemas.microsoft.com/office/drawing/2014/main" id="{C47A741E-AA96-A64E-80AC-F69E6A517C26}"/>
-              </a:ext>
-            </a:extLst>
-          </p:cNvPr>
-          <p:cNvPicPr>
-            <a:picLocks noChangeAspect="1" noChangeArrowheads="1"/>
-          </p:cNvPicPr>
-          <p:nvPr/>
-        </p:nvPicPr>
-        <p:blipFill>
-          <a:blip r:embed="rId4" cstate="print">
-            <a:extLst>
-              <a:ext uri="{28A0092B-C50C-407E-A947-70E740481C1C}">
-                <a14:useLocalDpi xmlns:a14="http://schemas.microsoft.com/office/drawing/2010/main" val="0"/>
-              </a:ext>
-            </a:extLst>
-          </a:blip>
-          <a:srcRect l="2818" t="9651" r="2068" b="9219"/>
-          <a:stretch>
-            <a:fillRect/>
-          </a:stretch>
-        </p:blipFill>
-        <p:spPr bwMode="auto">
-          <a:xfrm>
-            <a:off x="9186863" y="0"/>
-            <a:ext cx="3005137" cy="782637"/>
-          </a:xfrm>
-          <a:prstGeom prst="rect">
-            <a:avLst/>
-          </a:prstGeom>
-          <a:solidFill>
-            <a:schemeClr val="accent1"/>
-          </a:solidFill>
-          <a:ln>
-            <a:noFill/>
-          </a:ln>
-        </p:spPr>
-      </p:pic>
     </p:spTree>
     <p:extLst>
       <p:ext uri="{BB962C8B-B14F-4D97-AF65-F5344CB8AC3E}">
@@ -16361,49 +15458,6 @@
           </a:p>
         </p:txBody>
       </p:sp>
-      <p:pic>
-        <p:nvPicPr>
-          <p:cNvPr id="14" name="图片 2">
-            <a:extLst>
-              <a:ext uri="{FF2B5EF4-FFF2-40B4-BE49-F238E27FC236}">
-                <a16:creationId xmlns:a16="http://schemas.microsoft.com/office/drawing/2014/main" id="{AF316CA5-90FF-AF4F-978F-914DB4F21F79}"/>
-              </a:ext>
-            </a:extLst>
-          </p:cNvPr>
-          <p:cNvPicPr>
-            <a:picLocks noChangeAspect="1" noChangeArrowheads="1"/>
-          </p:cNvPicPr>
-          <p:nvPr/>
-        </p:nvPicPr>
-        <p:blipFill>
-          <a:blip r:embed="rId4" cstate="print">
-            <a:extLst>
-              <a:ext uri="{28A0092B-C50C-407E-A947-70E740481C1C}">
-                <a14:useLocalDpi xmlns:a14="http://schemas.microsoft.com/office/drawing/2010/main" val="0"/>
-              </a:ext>
-            </a:extLst>
-          </a:blip>
-          <a:srcRect l="2818" t="9651" r="2068" b="9219"/>
-          <a:stretch>
-            <a:fillRect/>
-          </a:stretch>
-        </p:blipFill>
-        <p:spPr bwMode="auto">
-          <a:xfrm>
-            <a:off x="9186863" y="0"/>
-            <a:ext cx="3005137" cy="782637"/>
-          </a:xfrm>
-          <a:prstGeom prst="rect">
-            <a:avLst/>
-          </a:prstGeom>
-          <a:solidFill>
-            <a:schemeClr val="accent1"/>
-          </a:solidFill>
-          <a:ln>
-            <a:noFill/>
-          </a:ln>
-        </p:spPr>
-      </p:pic>
     </p:spTree>
     <p:extLst>
       <p:ext uri="{BB962C8B-B14F-4D97-AF65-F5344CB8AC3E}">
@@ -16606,49 +15660,6 @@
           </a:p>
         </p:txBody>
       </p:sp>
-      <p:pic>
-        <p:nvPicPr>
-          <p:cNvPr id="11" name="图片 2">
-            <a:extLst>
-              <a:ext uri="{FF2B5EF4-FFF2-40B4-BE49-F238E27FC236}">
-                <a16:creationId xmlns:a16="http://schemas.microsoft.com/office/drawing/2014/main" id="{8147AB6D-9886-044A-8ED4-D3D797F4E186}"/>
-              </a:ext>
-            </a:extLst>
-          </p:cNvPr>
-          <p:cNvPicPr>
-            <a:picLocks noChangeAspect="1" noChangeArrowheads="1"/>
-          </p:cNvPicPr>
-          <p:nvPr/>
-        </p:nvPicPr>
-        <p:blipFill>
-          <a:blip r:embed="rId6" cstate="print">
-            <a:extLst>
-              <a:ext uri="{28A0092B-C50C-407E-A947-70E740481C1C}">
-                <a14:useLocalDpi xmlns:a14="http://schemas.microsoft.com/office/drawing/2010/main" val="0"/>
-              </a:ext>
-            </a:extLst>
-          </a:blip>
-          <a:srcRect l="2818" t="9651" r="2068" b="9219"/>
-          <a:stretch>
-            <a:fillRect/>
-          </a:stretch>
-        </p:blipFill>
-        <p:spPr bwMode="auto">
-          <a:xfrm>
-            <a:off x="9186863" y="0"/>
-            <a:ext cx="3005137" cy="782637"/>
-          </a:xfrm>
-          <a:prstGeom prst="rect">
-            <a:avLst/>
-          </a:prstGeom>
-          <a:solidFill>
-            <a:schemeClr val="accent1"/>
-          </a:solidFill>
-          <a:ln>
-            <a:noFill/>
-          </a:ln>
-        </p:spPr>
-      </p:pic>
     </p:spTree>
     <p:extLst>
       <p:ext uri="{BB962C8B-B14F-4D97-AF65-F5344CB8AC3E}">
@@ -16849,49 +15860,6 @@
           <a:prstGeom prst="rect">
             <a:avLst/>
           </a:prstGeom>
-        </p:spPr>
-      </p:pic>
-      <p:pic>
-        <p:nvPicPr>
-          <p:cNvPr id="11" name="图片 2">
-            <a:extLst>
-              <a:ext uri="{FF2B5EF4-FFF2-40B4-BE49-F238E27FC236}">
-                <a16:creationId xmlns:a16="http://schemas.microsoft.com/office/drawing/2014/main" id="{72418DA7-DD4F-5748-B540-C34DF0BAFE90}"/>
-              </a:ext>
-            </a:extLst>
-          </p:cNvPr>
-          <p:cNvPicPr>
-            <a:picLocks noChangeAspect="1" noChangeArrowheads="1"/>
-          </p:cNvPicPr>
-          <p:nvPr/>
-        </p:nvPicPr>
-        <p:blipFill>
-          <a:blip r:embed="rId6" cstate="print">
-            <a:extLst>
-              <a:ext uri="{28A0092B-C50C-407E-A947-70E740481C1C}">
-                <a14:useLocalDpi xmlns:a14="http://schemas.microsoft.com/office/drawing/2010/main" val="0"/>
-              </a:ext>
-            </a:extLst>
-          </a:blip>
-          <a:srcRect l="2818" t="9651" r="2068" b="9219"/>
-          <a:stretch>
-            <a:fillRect/>
-          </a:stretch>
-        </p:blipFill>
-        <p:spPr bwMode="auto">
-          <a:xfrm>
-            <a:off x="9186863" y="0"/>
-            <a:ext cx="3005137" cy="782637"/>
-          </a:xfrm>
-          <a:prstGeom prst="rect">
-            <a:avLst/>
-          </a:prstGeom>
-          <a:solidFill>
-            <a:schemeClr val="accent1"/>
-          </a:solidFill>
-          <a:ln>
-            <a:noFill/>
-          </a:ln>
         </p:spPr>
       </p:pic>
     </p:spTree>
@@ -17094,49 +16062,6 @@
           <a:prstGeom prst="rect">
             <a:avLst/>
           </a:prstGeom>
-        </p:spPr>
-      </p:pic>
-      <p:pic>
-        <p:nvPicPr>
-          <p:cNvPr id="11" name="图片 2">
-            <a:extLst>
-              <a:ext uri="{FF2B5EF4-FFF2-40B4-BE49-F238E27FC236}">
-                <a16:creationId xmlns:a16="http://schemas.microsoft.com/office/drawing/2014/main" id="{443A9A60-ABA9-204B-8F39-3BAA0B9DF20D}"/>
-              </a:ext>
-            </a:extLst>
-          </p:cNvPr>
-          <p:cNvPicPr>
-            <a:picLocks noChangeAspect="1" noChangeArrowheads="1"/>
-          </p:cNvPicPr>
-          <p:nvPr/>
-        </p:nvPicPr>
-        <p:blipFill>
-          <a:blip r:embed="rId6" cstate="print">
-            <a:extLst>
-              <a:ext uri="{28A0092B-C50C-407E-A947-70E740481C1C}">
-                <a14:useLocalDpi xmlns:a14="http://schemas.microsoft.com/office/drawing/2010/main" val="0"/>
-              </a:ext>
-            </a:extLst>
-          </a:blip>
-          <a:srcRect l="2818" t="9651" r="2068" b="9219"/>
-          <a:stretch>
-            <a:fillRect/>
-          </a:stretch>
-        </p:blipFill>
-        <p:spPr bwMode="auto">
-          <a:xfrm>
-            <a:off x="9186863" y="0"/>
-            <a:ext cx="3005137" cy="782637"/>
-          </a:xfrm>
-          <a:prstGeom prst="rect">
-            <a:avLst/>
-          </a:prstGeom>
-          <a:solidFill>
-            <a:schemeClr val="accent1"/>
-          </a:solidFill>
-          <a:ln>
-            <a:noFill/>
-          </a:ln>
         </p:spPr>
       </p:pic>
     </p:spTree>
